--- a/Presentations/Social Media Use.pptx
+++ b/Presentations/Social Media Use.pptx
@@ -2854,7 +2854,7 @@
             <a:fld id="{5586B75A-687E-405C-8A0B-8D00578BA2C3}" type="datetimeFigureOut">
               <a:rPr lang="en-US" dirty="0"/>
               <a:pPr/>
-              <a:t>3/14/22</a:t>
+              <a:t>4/3/22</a:t>
             </a:fld>
             <a:endParaRPr lang="en-US" dirty="0"/>
           </a:p>
@@ -3021,7 +3021,7 @@
             <a:fld id="{5586B75A-687E-405C-8A0B-8D00578BA2C3}" type="datetimeFigureOut">
               <a:rPr lang="en-US" dirty="0"/>
               <a:pPr/>
-              <a:t>3/14/22</a:t>
+              <a:t>4/3/22</a:t>
             </a:fld>
             <a:endParaRPr lang="en-US" dirty="0"/>
           </a:p>
@@ -3198,7 +3198,7 @@
             <a:fld id="{5586B75A-687E-405C-8A0B-8D00578BA2C3}" type="datetimeFigureOut">
               <a:rPr lang="en-US" dirty="0"/>
               <a:pPr/>
-              <a:t>3/14/22</a:t>
+              <a:t>4/3/22</a:t>
             </a:fld>
             <a:endParaRPr lang="en-US" dirty="0"/>
           </a:p>
@@ -3365,7 +3365,7 @@
             <a:fld id="{5586B75A-687E-405C-8A0B-8D00578BA2C3}" type="datetimeFigureOut">
               <a:rPr lang="en-US" dirty="0"/>
               <a:pPr/>
-              <a:t>3/14/22</a:t>
+              <a:t>4/3/22</a:t>
             </a:fld>
             <a:endParaRPr lang="en-US" dirty="0"/>
           </a:p>
@@ -3620,7 +3620,7 @@
             <a:fld id="{5586B75A-687E-405C-8A0B-8D00578BA2C3}" type="datetimeFigureOut">
               <a:rPr lang="en-US" dirty="0"/>
               <a:pPr/>
-              <a:t>3/14/22</a:t>
+              <a:t>4/3/22</a:t>
             </a:fld>
             <a:endParaRPr lang="en-US" dirty="0"/>
           </a:p>
@@ -3905,7 +3905,7 @@
             <a:fld id="{5586B75A-687E-405C-8A0B-8D00578BA2C3}" type="datetimeFigureOut">
               <a:rPr lang="en-US" dirty="0"/>
               <a:pPr/>
-              <a:t>3/14/22</a:t>
+              <a:t>4/3/22</a:t>
             </a:fld>
             <a:endParaRPr lang="en-US" dirty="0"/>
           </a:p>
@@ -4344,7 +4344,7 @@
             <a:fld id="{5586B75A-687E-405C-8A0B-8D00578BA2C3}" type="datetimeFigureOut">
               <a:rPr lang="en-US" dirty="0"/>
               <a:pPr/>
-              <a:t>3/14/22</a:t>
+              <a:t>4/3/22</a:t>
             </a:fld>
             <a:endParaRPr lang="en-US" dirty="0"/>
           </a:p>
@@ -4459,7 +4459,7 @@
             <a:fld id="{5586B75A-687E-405C-8A0B-8D00578BA2C3}" type="datetimeFigureOut">
               <a:rPr lang="en-US" dirty="0"/>
               <a:pPr/>
-              <a:t>3/14/22</a:t>
+              <a:t>4/3/22</a:t>
             </a:fld>
             <a:endParaRPr lang="en-US" dirty="0"/>
           </a:p>
@@ -4551,7 +4551,7 @@
             <a:fld id="{5586B75A-687E-405C-8A0B-8D00578BA2C3}" type="datetimeFigureOut">
               <a:rPr lang="en-US" dirty="0"/>
               <a:pPr/>
-              <a:t>3/14/22</a:t>
+              <a:t>4/3/22</a:t>
             </a:fld>
             <a:endParaRPr lang="en-US" dirty="0"/>
           </a:p>
@@ -4836,7 +4836,7 @@
             <a:fld id="{5586B75A-687E-405C-8A0B-8D00578BA2C3}" type="datetimeFigureOut">
               <a:rPr lang="en-US" dirty="0"/>
               <a:pPr/>
-              <a:t>3/14/22</a:t>
+              <a:t>4/3/22</a:t>
             </a:fld>
             <a:endParaRPr lang="en-US" dirty="0"/>
           </a:p>
@@ -5106,7 +5106,7 @@
             <a:fld id="{5586B75A-687E-405C-8A0B-8D00578BA2C3}" type="datetimeFigureOut">
               <a:rPr lang="en-US" dirty="0"/>
               <a:pPr/>
-              <a:t>3/14/22</a:t>
+              <a:t>4/3/22</a:t>
             </a:fld>
             <a:endParaRPr lang="en-US" dirty="0"/>
           </a:p>
@@ -5400,7 +5400,7 @@
             <a:fld id="{5586B75A-687E-405C-8A0B-8D00578BA2C3}" type="datetimeFigureOut">
               <a:rPr lang="en-US" dirty="0"/>
               <a:pPr/>
-              <a:t>3/14/22</a:t>
+              <a:t>4/3/22</a:t>
             </a:fld>
             <a:endParaRPr lang="en-US" dirty="0"/>
           </a:p>
@@ -6568,6 +6568,49 @@
           </a:p>
         </p:txBody>
       </p:sp>
+      <p:sp>
+        <p:nvSpPr>
+          <p:cNvPr id="4" name="TextBox 3">
+            <a:extLst>
+              <a:ext uri="{FF2B5EF4-FFF2-40B4-BE49-F238E27FC236}">
+                <a16:creationId xmlns:a16="http://schemas.microsoft.com/office/drawing/2014/main" id="{370AF91E-18A9-A344-94D1-6E2D8D5CF29D}"/>
+              </a:ext>
+            </a:extLst>
+          </p:cNvPr>
+          <p:cNvSpPr txBox="1"/>
+          <p:nvPr/>
+        </p:nvSpPr>
+        <p:spPr>
+          <a:xfrm>
+            <a:off x="0" y="6611779"/>
+            <a:ext cx="12111990" cy="246221"/>
+          </a:xfrm>
+          <a:prstGeom prst="rect">
+            <a:avLst/>
+          </a:prstGeom>
+          <a:noFill/>
+        </p:spPr>
+        <p:txBody>
+          <a:bodyPr wrap="square" rtlCol="0">
+            <a:spAutoFit/>
+          </a:bodyPr>
+          <a:lstStyle/>
+          <a:p>
+            <a:r>
+              <a:rPr lang="en-US" sz="1000" dirty="0"/>
+              <a:t>https://</a:t>
+            </a:r>
+            <a:r>
+              <a:rPr lang="en-US" sz="1000" dirty="0" err="1"/>
+              <a:t>sopa.tulane.edu</a:t>
+            </a:r>
+            <a:r>
+              <a:rPr lang="en-US" sz="1000" dirty="0"/>
+              <a:t>/blog/key-social-media-privacy-issues-2020</a:t>
+            </a:r>
+          </a:p>
+        </p:txBody>
+      </p:sp>
     </p:spTree>
     <p:extLst>
       <p:ext uri="{BB962C8B-B14F-4D97-AF65-F5344CB8AC3E}">
@@ -6823,6 +6866,57 @@
           </a:p>
         </p:txBody>
       </p:sp>
+      <p:sp>
+        <p:nvSpPr>
+          <p:cNvPr id="6" name="TextBox 5">
+            <a:extLst>
+              <a:ext uri="{FF2B5EF4-FFF2-40B4-BE49-F238E27FC236}">
+                <a16:creationId xmlns:a16="http://schemas.microsoft.com/office/drawing/2014/main" id="{B1D2B940-E517-CF48-BA40-7AD0DA7C3384}"/>
+              </a:ext>
+            </a:extLst>
+          </p:cNvPr>
+          <p:cNvSpPr txBox="1"/>
+          <p:nvPr/>
+        </p:nvSpPr>
+        <p:spPr>
+          <a:xfrm>
+            <a:off x="0" y="6611779"/>
+            <a:ext cx="12111990" cy="246221"/>
+          </a:xfrm>
+          <a:prstGeom prst="rect">
+            <a:avLst/>
+          </a:prstGeom>
+          <a:noFill/>
+        </p:spPr>
+        <p:txBody>
+          <a:bodyPr wrap="square" rtlCol="0">
+            <a:spAutoFit/>
+          </a:bodyPr>
+          <a:lstStyle/>
+          <a:p>
+            <a:r>
+              <a:rPr lang="en-US" sz="1000" dirty="0"/>
+              <a:t>https://</a:t>
+            </a:r>
+            <a:r>
+              <a:rPr lang="en-US" sz="1000" dirty="0" err="1"/>
+              <a:t>www.rd.com</a:t>
+            </a:r>
+            <a:r>
+              <a:rPr lang="en-US" sz="1000" dirty="0"/>
+              <a:t>/article/reason-stop-taking-</a:t>
+            </a:r>
+            <a:r>
+              <a:rPr lang="en-US" sz="1000" dirty="0" err="1"/>
+              <a:t>facebook</a:t>
+            </a:r>
+            <a:r>
+              <a:rPr lang="en-US" sz="1000" dirty="0"/>
+              <a:t>-quizzes/</a:t>
+            </a:r>
+          </a:p>
+        </p:txBody>
+      </p:sp>
     </p:spTree>
     <p:extLst>
       <p:ext uri="{BB962C8B-B14F-4D97-AF65-F5344CB8AC3E}">
@@ -7073,6 +7167,49 @@
           </a:p>
         </p:txBody>
       </p:sp>
+      <p:sp>
+        <p:nvSpPr>
+          <p:cNvPr id="6" name="TextBox 5">
+            <a:extLst>
+              <a:ext uri="{FF2B5EF4-FFF2-40B4-BE49-F238E27FC236}">
+                <a16:creationId xmlns:a16="http://schemas.microsoft.com/office/drawing/2014/main" id="{D1BD0377-8E05-0242-B506-793EEAE03E1F}"/>
+              </a:ext>
+            </a:extLst>
+          </p:cNvPr>
+          <p:cNvSpPr txBox="1"/>
+          <p:nvPr/>
+        </p:nvSpPr>
+        <p:spPr>
+          <a:xfrm>
+            <a:off x="0" y="6611779"/>
+            <a:ext cx="12111990" cy="246221"/>
+          </a:xfrm>
+          <a:prstGeom prst="rect">
+            <a:avLst/>
+          </a:prstGeom>
+          <a:noFill/>
+        </p:spPr>
+        <p:txBody>
+          <a:bodyPr wrap="square" rtlCol="0">
+            <a:spAutoFit/>
+          </a:bodyPr>
+          <a:lstStyle/>
+          <a:p>
+            <a:r>
+              <a:rPr lang="en-US" sz="1000" dirty="0"/>
+              <a:t>https://</a:t>
+            </a:r>
+            <a:r>
+              <a:rPr lang="en-US" sz="1000" dirty="0" err="1"/>
+              <a:t>penntoday.upenn.edu</a:t>
+            </a:r>
+            <a:r>
+              <a:rPr lang="en-US" sz="1000" dirty="0"/>
+              <a:t>/news/dangers-sharing-personal-information-social-media</a:t>
+            </a:r>
+          </a:p>
+        </p:txBody>
+      </p:sp>
     </p:spTree>
     <p:extLst>
       <p:ext uri="{BB962C8B-B14F-4D97-AF65-F5344CB8AC3E}">
@@ -7349,6 +7486,49 @@
                 </a:solidFill>
               </a:rPr>
               <a:t>Be careful of who you friend on social media</a:t>
+            </a:r>
+          </a:p>
+        </p:txBody>
+      </p:sp>
+      <p:sp>
+        <p:nvSpPr>
+          <p:cNvPr id="6" name="TextBox 5">
+            <a:extLst>
+              <a:ext uri="{FF2B5EF4-FFF2-40B4-BE49-F238E27FC236}">
+                <a16:creationId xmlns:a16="http://schemas.microsoft.com/office/drawing/2014/main" id="{1E7E0877-9CD7-0743-9B76-D20014BD1FEE}"/>
+              </a:ext>
+            </a:extLst>
+          </p:cNvPr>
+          <p:cNvSpPr txBox="1"/>
+          <p:nvPr/>
+        </p:nvSpPr>
+        <p:spPr>
+          <a:xfrm>
+            <a:off x="0" y="6611779"/>
+            <a:ext cx="12111990" cy="246221"/>
+          </a:xfrm>
+          <a:prstGeom prst="rect">
+            <a:avLst/>
+          </a:prstGeom>
+          <a:noFill/>
+        </p:spPr>
+        <p:txBody>
+          <a:bodyPr wrap="square" rtlCol="0">
+            <a:spAutoFit/>
+          </a:bodyPr>
+          <a:lstStyle/>
+          <a:p>
+            <a:r>
+              <a:rPr lang="en-US" sz="1000" dirty="0"/>
+              <a:t>https://</a:t>
+            </a:r>
+            <a:r>
+              <a:rPr lang="en-US" sz="1000" dirty="0" err="1"/>
+              <a:t>www.itjones.com</a:t>
+            </a:r>
+            <a:r>
+              <a:rPr lang="en-US" sz="1000" dirty="0"/>
+              <a:t>/blogs/2020/9/1/social-media-security-risks-to-businesses-and-best-practices</a:t>
             </a:r>
           </a:p>
         </p:txBody>

--- a/Presentations/Social Media Use.pptx
+++ b/Presentations/Social Media Use.pptx
@@ -2854,7 +2854,7 @@
             <a:fld id="{5586B75A-687E-405C-8A0B-8D00578BA2C3}" type="datetimeFigureOut">
               <a:rPr lang="en-US" dirty="0"/>
               <a:pPr/>
-              <a:t>4/3/22</a:t>
+              <a:t>4/6/22</a:t>
             </a:fld>
             <a:endParaRPr lang="en-US" dirty="0"/>
           </a:p>
@@ -3021,7 +3021,7 @@
             <a:fld id="{5586B75A-687E-405C-8A0B-8D00578BA2C3}" type="datetimeFigureOut">
               <a:rPr lang="en-US" dirty="0"/>
               <a:pPr/>
-              <a:t>4/3/22</a:t>
+              <a:t>4/6/22</a:t>
             </a:fld>
             <a:endParaRPr lang="en-US" dirty="0"/>
           </a:p>
@@ -3198,7 +3198,7 @@
             <a:fld id="{5586B75A-687E-405C-8A0B-8D00578BA2C3}" type="datetimeFigureOut">
               <a:rPr lang="en-US" dirty="0"/>
               <a:pPr/>
-              <a:t>4/3/22</a:t>
+              <a:t>4/6/22</a:t>
             </a:fld>
             <a:endParaRPr lang="en-US" dirty="0"/>
           </a:p>
@@ -3365,7 +3365,7 @@
             <a:fld id="{5586B75A-687E-405C-8A0B-8D00578BA2C3}" type="datetimeFigureOut">
               <a:rPr lang="en-US" dirty="0"/>
               <a:pPr/>
-              <a:t>4/3/22</a:t>
+              <a:t>4/6/22</a:t>
             </a:fld>
             <a:endParaRPr lang="en-US" dirty="0"/>
           </a:p>
@@ -3620,7 +3620,7 @@
             <a:fld id="{5586B75A-687E-405C-8A0B-8D00578BA2C3}" type="datetimeFigureOut">
               <a:rPr lang="en-US" dirty="0"/>
               <a:pPr/>
-              <a:t>4/3/22</a:t>
+              <a:t>4/6/22</a:t>
             </a:fld>
             <a:endParaRPr lang="en-US" dirty="0"/>
           </a:p>
@@ -3905,7 +3905,7 @@
             <a:fld id="{5586B75A-687E-405C-8A0B-8D00578BA2C3}" type="datetimeFigureOut">
               <a:rPr lang="en-US" dirty="0"/>
               <a:pPr/>
-              <a:t>4/3/22</a:t>
+              <a:t>4/6/22</a:t>
             </a:fld>
             <a:endParaRPr lang="en-US" dirty="0"/>
           </a:p>
@@ -4344,7 +4344,7 @@
             <a:fld id="{5586B75A-687E-405C-8A0B-8D00578BA2C3}" type="datetimeFigureOut">
               <a:rPr lang="en-US" dirty="0"/>
               <a:pPr/>
-              <a:t>4/3/22</a:t>
+              <a:t>4/6/22</a:t>
             </a:fld>
             <a:endParaRPr lang="en-US" dirty="0"/>
           </a:p>
@@ -4459,7 +4459,7 @@
             <a:fld id="{5586B75A-687E-405C-8A0B-8D00578BA2C3}" type="datetimeFigureOut">
               <a:rPr lang="en-US" dirty="0"/>
               <a:pPr/>
-              <a:t>4/3/22</a:t>
+              <a:t>4/6/22</a:t>
             </a:fld>
             <a:endParaRPr lang="en-US" dirty="0"/>
           </a:p>
@@ -4551,7 +4551,7 @@
             <a:fld id="{5586B75A-687E-405C-8A0B-8D00578BA2C3}" type="datetimeFigureOut">
               <a:rPr lang="en-US" dirty="0"/>
               <a:pPr/>
-              <a:t>4/3/22</a:t>
+              <a:t>4/6/22</a:t>
             </a:fld>
             <a:endParaRPr lang="en-US" dirty="0"/>
           </a:p>
@@ -4836,7 +4836,7 @@
             <a:fld id="{5586B75A-687E-405C-8A0B-8D00578BA2C3}" type="datetimeFigureOut">
               <a:rPr lang="en-US" dirty="0"/>
               <a:pPr/>
-              <a:t>4/3/22</a:t>
+              <a:t>4/6/22</a:t>
             </a:fld>
             <a:endParaRPr lang="en-US" dirty="0"/>
           </a:p>
@@ -5106,7 +5106,7 @@
             <a:fld id="{5586B75A-687E-405C-8A0B-8D00578BA2C3}" type="datetimeFigureOut">
               <a:rPr lang="en-US" dirty="0"/>
               <a:pPr/>
-              <a:t>4/3/22</a:t>
+              <a:t>4/6/22</a:t>
             </a:fld>
             <a:endParaRPr lang="en-US" dirty="0"/>
           </a:p>
@@ -5400,7 +5400,7 @@
             <a:fld id="{5586B75A-687E-405C-8A0B-8D00578BA2C3}" type="datetimeFigureOut">
               <a:rPr lang="en-US" dirty="0"/>
               <a:pPr/>
-              <a:t>4/3/22</a:t>
+              <a:t>4/6/22</a:t>
             </a:fld>
             <a:endParaRPr lang="en-US" dirty="0"/>
           </a:p>
